--- a/final/pre/气温预测分析系统设计与实现结课答辩.pptx
+++ b/final/pre/气温预测分析系统设计与实现结课答辩.pptx
@@ -5411,6 +5411,41 @@
           <a:chExt cx="0" cy="0"/>
         </a:xfrm>
       </p:grpSpPr>
+      <p:pic>
+        <p:nvPicPr>
+          <p:cNvPr id="6" name="图片 5">
+            <a:extLst>
+              <a:ext uri="{FF2B5EF4-FFF2-40B4-BE49-F238E27FC236}">
+                <a16:creationId xmlns:a16="http://schemas.microsoft.com/office/drawing/2014/main" id="{DD7F2168-96F0-4EB5-99D6-E34919DA23ED}"/>
+              </a:ext>
+            </a:extLst>
+          </p:cNvPr>
+          <p:cNvPicPr/>
+          <p:nvPr/>
+        </p:nvPicPr>
+        <p:blipFill rotWithShape="1">
+          <a:blip r:embed="rId2"/>
+          <a:srcRect l="2769" t="31036" r="32940" b="12457"/>
+          <a:stretch/>
+        </p:blipFill>
+        <p:spPr bwMode="auto">
+          <a:xfrm>
+            <a:off x="333057" y="1162117"/>
+            <a:ext cx="11668124" cy="5600700"/>
+          </a:xfrm>
+          <a:prstGeom prst="rect">
+            <a:avLst/>
+          </a:prstGeom>
+          <a:ln>
+            <a:noFill/>
+          </a:ln>
+          <a:extLst>
+            <a:ext uri="{53640926-AAD7-44D8-BBD7-CCE9431645EC}">
+              <a14:shadowObscured xmlns:a14="http://schemas.microsoft.com/office/drawing/2010/main"/>
+            </a:ext>
+          </a:extLst>
+        </p:spPr>
+      </p:pic>
       <p:sp>
         <p:nvSpPr>
           <p:cNvPr id="4" name="文本框 3">
@@ -5482,7 +5517,7 @@
           <p:nvPr/>
         </p:nvPicPr>
         <p:blipFill>
-          <a:blip r:embed="rId2">
+          <a:blip r:embed="rId3">
             <a:extLst>
               <a:ext uri="{28A0092B-C50C-407E-A947-70E740481C1C}">
                 <a14:useLocalDpi xmlns:a14="http://schemas.microsoft.com/office/drawing/2010/main" val="0"/>
@@ -5512,36 +5547,6 @@
               </a14:hiddenFill>
             </a:ext>
           </a:extLst>
-        </p:spPr>
-      </p:pic>
-      <p:pic>
-        <p:nvPicPr>
-          <p:cNvPr id="2" name="图片 1">
-            <a:extLst>
-              <a:ext uri="{FF2B5EF4-FFF2-40B4-BE49-F238E27FC236}">
-                <a16:creationId xmlns:a16="http://schemas.microsoft.com/office/drawing/2014/main" id="{A4A486B5-8ED5-4220-B6C4-B8C4976BE0AA}"/>
-              </a:ext>
-            </a:extLst>
-          </p:cNvPr>
-          <p:cNvPicPr>
-            <a:picLocks noChangeAspect="1"/>
-          </p:cNvPicPr>
-          <p:nvPr/>
-        </p:nvPicPr>
-        <p:blipFill>
-          <a:blip r:embed="rId3"/>
-          <a:stretch>
-            <a:fillRect/>
-          </a:stretch>
-        </p:blipFill>
-        <p:spPr>
-          <a:xfrm>
-            <a:off x="333057" y="1257300"/>
-            <a:ext cx="11668125" cy="5600700"/>
-          </a:xfrm>
-          <a:prstGeom prst="rect">
-            <a:avLst/>
-          </a:prstGeom>
         </p:spPr>
       </p:pic>
     </p:spTree>
@@ -5594,7 +5599,7 @@
                                           </p:stCondLst>
                                         </p:cTn>
                                         <p:tgtEl>
-                                          <p:spTgt spid="2"/>
+                                          <p:spTgt spid="6"/>
                                         </p:tgtEl>
                                         <p:attrNameLst>
                                           <p:attrName>style.visibility</p:attrName>
@@ -5608,7 +5613,7 @@
                                       <p:cBhvr>
                                         <p:cTn id="7" dur="500"/>
                                         <p:tgtEl>
-                                          <p:spTgt spid="2"/>
+                                          <p:spTgt spid="6"/>
                                         </p:tgtEl>
                                       </p:cBhvr>
                                     </p:animEffect>
